--- a/day1-review.pptx
+++ b/day1-review.pptx
@@ -5,7 +5,7 @@
     <p:sldMasterId id="2147483648" r:id="rId1"/>
   </p:sldMasterIdLst>
   <p:notesMasterIdLst>
-    <p:notesMasterId r:id="rId10"/>
+    <p:notesMasterId r:id="rId9"/>
   </p:notesMasterIdLst>
   <p:sldIdLst>
     <p:sldId id="257" r:id="rId2"/>
@@ -14,8 +14,7 @@
     <p:sldId id="261" r:id="rId5"/>
     <p:sldId id="262" r:id="rId6"/>
     <p:sldId id="263" r:id="rId7"/>
-    <p:sldId id="264" r:id="rId8"/>
-    <p:sldId id="265" r:id="rId9"/>
+    <p:sldId id="265" r:id="rId8"/>
   </p:sldIdLst>
   <p:sldSz cx="9144000" cy="6858000" type="screen4x3"/>
   <p:notesSz cx="6858000" cy="9144000"/>
@@ -199,7 +198,7 @@
           <a:p>
             <a:fld id="{91BDCAE1-DC13-3545-841A-A4DBCAED93AF}" type="datetimeFigureOut">
               <a:rPr lang="en-US" smtClean="0"/>
-              <a:t>6/3/16</a:t>
+              <a:t>6/13/16</a:t>
             </a:fld>
             <a:endParaRPr lang="en-US"/>
           </a:p>
@@ -1133,117 +1132,6 @@
 </p:notes>
 </file>
 
-<file path=ppt/notesSlides/notesSlide7.xml><?xml version="1.0" encoding="utf-8"?>
-<p:notes xmlns:a="http://schemas.openxmlformats.org/drawingml/2006/main" xmlns:r="http://schemas.openxmlformats.org/officeDocument/2006/relationships" xmlns:p="http://schemas.openxmlformats.org/presentationml/2006/main" showMasterSp="0" showMasterPhAnim="0">
-  <p:cSld>
-    <p:spTree>
-      <p:nvGrpSpPr>
-        <p:cNvPr id="1" name="Shape 31"/>
-        <p:cNvGrpSpPr/>
-        <p:nvPr/>
-      </p:nvGrpSpPr>
-      <p:grpSpPr>
-        <a:xfrm>
-          <a:off x="0" y="0"/>
-          <a:ext cx="0" cy="0"/>
-          <a:chOff x="0" y="0"/>
-          <a:chExt cx="0" cy="0"/>
-        </a:xfrm>
-      </p:grpSpPr>
-      <p:sp>
-        <p:nvSpPr>
-          <p:cNvPr id="32" name="Shape 32"/>
-          <p:cNvSpPr>
-            <a:spLocks noGrp="1" noRot="1" noChangeAspect="1"/>
-          </p:cNvSpPr>
-          <p:nvPr>
-            <p:ph type="sldImg" idx="2"/>
-          </p:nvPr>
-        </p:nvSpPr>
-        <p:spPr>
-          <a:xfrm>
-            <a:off x="1143000" y="685800"/>
-            <a:ext cx="4572000" cy="3429000"/>
-          </a:xfrm>
-          <a:custGeom>
-            <a:avLst/>
-            <a:gdLst/>
-            <a:ahLst/>
-            <a:cxnLst/>
-            <a:rect l="0" t="0" r="0" b="0"/>
-            <a:pathLst>
-              <a:path w="120000" h="120000" extrusionOk="0">
-                <a:moveTo>
-                  <a:pt x="0" y="0"/>
-                </a:moveTo>
-                <a:lnTo>
-                  <a:pt x="120000" y="0"/>
-                </a:lnTo>
-                <a:lnTo>
-                  <a:pt x="120000" y="120000"/>
-                </a:lnTo>
-                <a:lnTo>
-                  <a:pt x="0" y="120000"/>
-                </a:lnTo>
-                <a:close/>
-              </a:path>
-            </a:pathLst>
-          </a:custGeom>
-          <a:noFill/>
-          <a:ln w="9525" cap="flat">
-            <a:solidFill>
-              <a:srgbClr val="000000"/>
-            </a:solidFill>
-            <a:prstDash val="solid"/>
-            <a:round/>
-            <a:headEnd type="none" w="med" len="med"/>
-            <a:tailEnd type="none" w="med" len="med"/>
-          </a:ln>
-        </p:spPr>
-      </p:sp>
-      <p:sp>
-        <p:nvSpPr>
-          <p:cNvPr id="33" name="Shape 33"/>
-          <p:cNvSpPr txBox="1">
-            <a:spLocks noGrp="1"/>
-          </p:cNvSpPr>
-          <p:nvPr>
-            <p:ph type="body" idx="1"/>
-          </p:nvPr>
-        </p:nvSpPr>
-        <p:spPr>
-          <a:xfrm>
-            <a:off x="685800" y="4343400"/>
-            <a:ext cx="5486399" cy="4114800"/>
-          </a:xfrm>
-          <a:prstGeom prst="rect">
-            <a:avLst/>
-          </a:prstGeom>
-        </p:spPr>
-        <p:txBody>
-          <a:bodyPr lIns="91425" tIns="91425" rIns="91425" bIns="91425" anchor="t" anchorCtr="0">
-            <a:noAutofit/>
-          </a:bodyPr>
-          <a:lstStyle/>
-          <a:p>
-            <a:pPr>
-              <a:spcBef>
-                <a:spcPts val="0"/>
-              </a:spcBef>
-              <a:buNone/>
-            </a:pPr>
-            <a:endParaRPr/>
-          </a:p>
-        </p:txBody>
-      </p:sp>
-    </p:spTree>
-  </p:cSld>
-  <p:clrMapOvr>
-    <a:masterClrMapping/>
-  </p:clrMapOvr>
-</p:notes>
-</file>
-
 <file path=ppt/slideLayouts/slideLayout1.xml><?xml version="1.0" encoding="utf-8"?>
 <p:sldLayout xmlns:a="http://schemas.openxmlformats.org/drawingml/2006/main" xmlns:r="http://schemas.openxmlformats.org/officeDocument/2006/relationships" xmlns:p="http://schemas.openxmlformats.org/presentationml/2006/main" type="title" preserve="1">
   <p:cSld name="Title Slide">
@@ -1425,7 +1313,7 @@
           <a:p>
             <a:fld id="{7C780E36-1438-D74D-8D9C-3089FABA7E39}" type="datetimeFigureOut">
               <a:rPr lang="en-US" smtClean="0"/>
-              <a:t>6/3/16</a:t>
+              <a:t>6/13/16</a:t>
             </a:fld>
             <a:endParaRPr lang="en-US"/>
           </a:p>
@@ -1595,7 +1483,7 @@
           <a:p>
             <a:fld id="{7C780E36-1438-D74D-8D9C-3089FABA7E39}" type="datetimeFigureOut">
               <a:rPr lang="en-US" smtClean="0"/>
-              <a:t>6/3/16</a:t>
+              <a:t>6/13/16</a:t>
             </a:fld>
             <a:endParaRPr lang="en-US"/>
           </a:p>
@@ -1775,7 +1663,7 @@
           <a:p>
             <a:fld id="{7C780E36-1438-D74D-8D9C-3089FABA7E39}" type="datetimeFigureOut">
               <a:rPr lang="en-US" smtClean="0"/>
-              <a:t>6/3/16</a:t>
+              <a:t>6/13/16</a:t>
             </a:fld>
             <a:endParaRPr lang="en-US"/>
           </a:p>
@@ -2250,7 +2138,7 @@
           <a:p>
             <a:fld id="{7C780E36-1438-D74D-8D9C-3089FABA7E39}" type="datetimeFigureOut">
               <a:rPr lang="en-US" smtClean="0"/>
-              <a:t>6/3/16</a:t>
+              <a:t>6/13/16</a:t>
             </a:fld>
             <a:endParaRPr lang="en-US"/>
           </a:p>
@@ -2496,7 +2384,7 @@
           <a:p>
             <a:fld id="{7C780E36-1438-D74D-8D9C-3089FABA7E39}" type="datetimeFigureOut">
               <a:rPr lang="en-US" smtClean="0"/>
-              <a:t>6/3/16</a:t>
+              <a:t>6/13/16</a:t>
             </a:fld>
             <a:endParaRPr lang="en-US"/>
           </a:p>
@@ -2784,7 +2672,7 @@
           <a:p>
             <a:fld id="{7C780E36-1438-D74D-8D9C-3089FABA7E39}" type="datetimeFigureOut">
               <a:rPr lang="en-US" smtClean="0"/>
-              <a:t>6/3/16</a:t>
+              <a:t>6/13/16</a:t>
             </a:fld>
             <a:endParaRPr lang="en-US"/>
           </a:p>
@@ -3206,7 +3094,7 @@
           <a:p>
             <a:fld id="{7C780E36-1438-D74D-8D9C-3089FABA7E39}" type="datetimeFigureOut">
               <a:rPr lang="en-US" smtClean="0"/>
-              <a:t>6/3/16</a:t>
+              <a:t>6/13/16</a:t>
             </a:fld>
             <a:endParaRPr lang="en-US"/>
           </a:p>
@@ -3324,7 +3212,7 @@
           <a:p>
             <a:fld id="{7C780E36-1438-D74D-8D9C-3089FABA7E39}" type="datetimeFigureOut">
               <a:rPr lang="en-US" smtClean="0"/>
-              <a:t>6/3/16</a:t>
+              <a:t>6/13/16</a:t>
             </a:fld>
             <a:endParaRPr lang="en-US"/>
           </a:p>
@@ -3419,7 +3307,7 @@
           <a:p>
             <a:fld id="{7C780E36-1438-D74D-8D9C-3089FABA7E39}" type="datetimeFigureOut">
               <a:rPr lang="en-US" smtClean="0"/>
-              <a:t>6/3/16</a:t>
+              <a:t>6/13/16</a:t>
             </a:fld>
             <a:endParaRPr lang="en-US"/>
           </a:p>
@@ -3696,7 +3584,7 @@
           <a:p>
             <a:fld id="{7C780E36-1438-D74D-8D9C-3089FABA7E39}" type="datetimeFigureOut">
               <a:rPr lang="en-US" smtClean="0"/>
-              <a:t>6/3/16</a:t>
+              <a:t>6/13/16</a:t>
             </a:fld>
             <a:endParaRPr lang="en-US"/>
           </a:p>
@@ -3949,7 +3837,7 @@
           <a:p>
             <a:fld id="{7C780E36-1438-D74D-8D9C-3089FABA7E39}" type="datetimeFigureOut">
               <a:rPr lang="en-US" smtClean="0"/>
-              <a:t>6/3/16</a:t>
+              <a:t>6/13/16</a:t>
             </a:fld>
             <a:endParaRPr lang="en-US"/>
           </a:p>
@@ -4162,7 +4050,7 @@
           <a:p>
             <a:fld id="{7C780E36-1438-D74D-8D9C-3089FABA7E39}" type="datetimeFigureOut">
               <a:rPr lang="en-US" smtClean="0"/>
-              <a:t>6/3/16</a:t>
+              <a:t>6/13/16</a:t>
             </a:fld>
             <a:endParaRPr lang="en-US"/>
           </a:p>
@@ -4622,11 +4510,7 @@
             </a:pPr>
             <a:r>
               <a:rPr lang="en-US" dirty="0" smtClean="0"/>
-              <a:t>HILT </a:t>
-            </a:r>
-            <a:r>
-              <a:rPr lang="en-US" dirty="0" smtClean="0"/>
-              <a:t>2016</a:t>
+              <a:t>HILT 2016</a:t>
             </a:r>
             <a:endParaRPr lang="en" dirty="0"/>
           </a:p>
@@ -5625,413 +5509,6 @@
 </file>
 
 <file path=ppt/slides/slide7.xml><?xml version="1.0" encoding="utf-8"?>
-<p:sld xmlns:a="http://schemas.openxmlformats.org/drawingml/2006/main" xmlns:r="http://schemas.openxmlformats.org/officeDocument/2006/relationships" xmlns:p="http://schemas.openxmlformats.org/presentationml/2006/main">
-  <p:cSld>
-    <p:spTree>
-      <p:nvGrpSpPr>
-        <p:cNvPr id="1" name="Shape 28"/>
-        <p:cNvGrpSpPr/>
-        <p:nvPr/>
-      </p:nvGrpSpPr>
-      <p:grpSpPr>
-        <a:xfrm>
-          <a:off x="0" y="0"/>
-          <a:ext cx="0" cy="0"/>
-          <a:chOff x="0" y="0"/>
-          <a:chExt cx="0" cy="0"/>
-        </a:xfrm>
-      </p:grpSpPr>
-      <p:sp>
-        <p:nvSpPr>
-          <p:cNvPr id="29" name="Shape 29"/>
-          <p:cNvSpPr txBox="1">
-            <a:spLocks noGrp="1"/>
-          </p:cNvSpPr>
-          <p:nvPr>
-            <p:ph type="title"/>
-          </p:nvPr>
-        </p:nvSpPr>
-        <p:spPr>
-          <a:xfrm>
-            <a:off x="457200" y="274637"/>
-            <a:ext cx="8229600" cy="1143000"/>
-          </a:xfrm>
-          <a:prstGeom prst="rect">
-            <a:avLst/>
-          </a:prstGeom>
-        </p:spPr>
-        <p:txBody>
-          <a:bodyPr lIns="91425" tIns="91425" rIns="91425" bIns="91425" anchor="b" anchorCtr="0">
-            <a:noAutofit/>
-          </a:bodyPr>
-          <a:lstStyle/>
-          <a:p>
-            <a:pPr>
-              <a:spcBef>
-                <a:spcPts val="0"/>
-              </a:spcBef>
-              <a:buNone/>
-            </a:pPr>
-            <a:r>
-              <a:rPr lang="en-US" sz="7200" dirty="0" err="1">
-                <a:solidFill>
-                  <a:srgbClr val="FF0000"/>
-                </a:solidFill>
-                <a:latin typeface="Yanone Kaffeesatz Bold"/>
-                <a:cs typeface="Yanone Kaffeesatz Bold"/>
-              </a:rPr>
-              <a:t>g</a:t>
-            </a:r>
-            <a:r>
-              <a:rPr lang="en-US" sz="7200" dirty="0" err="1" smtClean="0">
-                <a:solidFill>
-                  <a:srgbClr val="FF0000"/>
-                </a:solidFill>
-                <a:latin typeface="Yanone Kaffeesatz Bold"/>
-                <a:cs typeface="Yanone Kaffeesatz Bold"/>
-              </a:rPr>
-              <a:t>it</a:t>
-            </a:r>
-            <a:r>
-              <a:rPr lang="en-US" sz="7200" dirty="0" smtClean="0">
-                <a:solidFill>
-                  <a:srgbClr val="FF0000"/>
-                </a:solidFill>
-                <a:latin typeface="Yanone Kaffeesatz Bold"/>
-                <a:cs typeface="Yanone Kaffeesatz Bold"/>
-              </a:rPr>
-              <a:t> </a:t>
-            </a:r>
-            <a:r>
-              <a:rPr lang="en-US" sz="7200" dirty="0" err="1" smtClean="0">
-                <a:solidFill>
-                  <a:srgbClr val="FF0000"/>
-                </a:solidFill>
-                <a:latin typeface="Yanone Kaffeesatz Bold"/>
-                <a:cs typeface="Yanone Kaffeesatz Bold"/>
-              </a:rPr>
-              <a:t>config</a:t>
-            </a:r>
-            <a:r>
-              <a:rPr lang="en-US" sz="7200" dirty="0" smtClean="0">
-                <a:solidFill>
-                  <a:srgbClr val="FF0000"/>
-                </a:solidFill>
-                <a:latin typeface="Yanone Kaffeesatz Bold"/>
-                <a:cs typeface="Yanone Kaffeesatz Bold"/>
-              </a:rPr>
-              <a:t> for </a:t>
-            </a:r>
-            <a:r>
-              <a:rPr lang="en-US" sz="7200" dirty="0" err="1" smtClean="0">
-                <a:solidFill>
-                  <a:srgbClr val="FF0000"/>
-                </a:solidFill>
-                <a:latin typeface="Yanone Kaffeesatz Bold"/>
-                <a:cs typeface="Yanone Kaffeesatz Bold"/>
-              </a:rPr>
-              <a:t>Github</a:t>
-            </a:r>
-            <a:r>
-              <a:rPr lang="en-US" sz="7200" dirty="0" smtClean="0">
-                <a:solidFill>
-                  <a:srgbClr val="FF0000"/>
-                </a:solidFill>
-                <a:latin typeface="Yanone Kaffeesatz Bold"/>
-                <a:cs typeface="Yanone Kaffeesatz Bold"/>
-              </a:rPr>
-              <a:t> </a:t>
-            </a:r>
-            <a:r>
-              <a:rPr lang="en-US" sz="7200" dirty="0" err="1" smtClean="0">
-                <a:solidFill>
-                  <a:srgbClr val="FF0000"/>
-                </a:solidFill>
-                <a:latin typeface="Yanone Kaffeesatz Bold"/>
-                <a:cs typeface="Yanone Kaffeesatz Bold"/>
-              </a:rPr>
-              <a:t>Config</a:t>
-            </a:r>
-            <a:endParaRPr lang="en" sz="7200" dirty="0">
-              <a:solidFill>
-                <a:srgbClr val="FF0000"/>
-              </a:solidFill>
-              <a:latin typeface="Yanone Kaffeesatz Bold"/>
-              <a:cs typeface="Yanone Kaffeesatz Bold"/>
-            </a:endParaRPr>
-          </a:p>
-        </p:txBody>
-      </p:sp>
-      <p:sp>
-        <p:nvSpPr>
-          <p:cNvPr id="30" name="Shape 30"/>
-          <p:cNvSpPr txBox="1">
-            <a:spLocks noGrp="1"/>
-          </p:cNvSpPr>
-          <p:nvPr>
-            <p:ph type="body" idx="1"/>
-          </p:nvPr>
-        </p:nvSpPr>
-        <p:spPr>
-          <a:xfrm>
-            <a:off x="457200" y="1600200"/>
-            <a:ext cx="8229600" cy="4967700"/>
-          </a:xfrm>
-          <a:prstGeom prst="rect">
-            <a:avLst/>
-          </a:prstGeom>
-        </p:spPr>
-        <p:txBody>
-          <a:bodyPr lIns="91425" tIns="91425" rIns="91425" bIns="91425" anchor="t" anchorCtr="0">
-            <a:noAutofit/>
-          </a:bodyPr>
-          <a:lstStyle/>
-          <a:p>
-            <a:pPr marL="38100" lvl="0" indent="0" rtl="0">
-              <a:lnSpc>
-                <a:spcPct val="130000"/>
-              </a:lnSpc>
-              <a:spcBef>
-                <a:spcPts val="0"/>
-              </a:spcBef>
-              <a:buClr>
-                <a:schemeClr val="dk1"/>
-              </a:buClr>
-              <a:buSzPct val="100000"/>
-              <a:buNone/>
-            </a:pPr>
-            <a:r>
-              <a:rPr lang="en-US" sz="2000" dirty="0" smtClean="0">
-                <a:latin typeface="Menlo Regular"/>
-                <a:cs typeface="Menlo Regular"/>
-              </a:rPr>
-              <a:t>$ </a:t>
-            </a:r>
-            <a:r>
-              <a:rPr lang="en-US" sz="2000" dirty="0" err="1" smtClean="0">
-                <a:latin typeface="Menlo Regular"/>
-                <a:cs typeface="Menlo Regular"/>
-              </a:rPr>
-              <a:t>mkdir</a:t>
-            </a:r>
-            <a:r>
-              <a:rPr lang="en-US" sz="2000" dirty="0" smtClean="0">
-                <a:latin typeface="Menlo Regular"/>
-                <a:cs typeface="Menlo Regular"/>
-              </a:rPr>
-              <a:t> –p ~/bin</a:t>
-            </a:r>
-          </a:p>
-          <a:p>
-            <a:pPr marL="38100" lvl="0" indent="0" rtl="0">
-              <a:lnSpc>
-                <a:spcPct val="130000"/>
-              </a:lnSpc>
-              <a:spcBef>
-                <a:spcPts val="0"/>
-              </a:spcBef>
-              <a:buClr>
-                <a:schemeClr val="dk1"/>
-              </a:buClr>
-              <a:buSzPct val="100000"/>
-              <a:buNone/>
-            </a:pPr>
-            <a:endParaRPr lang="en-US" sz="2000" dirty="0" smtClean="0">
-              <a:latin typeface="Menlo Regular"/>
-              <a:cs typeface="Menlo Regular"/>
-            </a:endParaRPr>
-          </a:p>
-          <a:p>
-            <a:pPr marL="38100" lvl="0" indent="0" rtl="0">
-              <a:lnSpc>
-                <a:spcPct val="130000"/>
-              </a:lnSpc>
-              <a:spcBef>
-                <a:spcPts val="0"/>
-              </a:spcBef>
-              <a:buClr>
-                <a:schemeClr val="dk1"/>
-              </a:buClr>
-              <a:buSzPct val="100000"/>
-              <a:buNone/>
-            </a:pPr>
-            <a:r>
-              <a:rPr lang="en-US" sz="2000" dirty="0" smtClean="0">
-                <a:latin typeface="Menlo Regular"/>
-                <a:cs typeface="Menlo Regular"/>
-              </a:rPr>
-              <a:t>$ </a:t>
-            </a:r>
-            <a:r>
-              <a:rPr lang="en-US" sz="2000" dirty="0" err="1" smtClean="0">
-                <a:latin typeface="Menlo Regular"/>
-                <a:cs typeface="Menlo Regular"/>
-              </a:rPr>
-              <a:t>ln</a:t>
-            </a:r>
-            <a:r>
-              <a:rPr lang="en-US" sz="2000" dirty="0" smtClean="0">
-                <a:latin typeface="Menlo Regular"/>
-                <a:cs typeface="Menlo Regular"/>
-              </a:rPr>
-              <a:t> -s “/Applications/Sublime Text 2.app/Contents/</a:t>
-            </a:r>
-            <a:r>
-              <a:rPr lang="en-US" sz="2000" dirty="0" err="1" smtClean="0">
-                <a:latin typeface="Menlo Regular"/>
-                <a:cs typeface="Menlo Regular"/>
-              </a:rPr>
-              <a:t>SharedSupport</a:t>
-            </a:r>
-            <a:r>
-              <a:rPr lang="en-US" sz="2000" dirty="0" smtClean="0">
-                <a:latin typeface="Menlo Regular"/>
-                <a:cs typeface="Menlo Regular"/>
-              </a:rPr>
-              <a:t>/bin/</a:t>
-            </a:r>
-            <a:r>
-              <a:rPr lang="en-US" sz="2000" dirty="0" err="1" smtClean="0">
-                <a:latin typeface="Menlo Regular"/>
-                <a:cs typeface="Menlo Regular"/>
-              </a:rPr>
-              <a:t>subl</a:t>
-            </a:r>
-            <a:r>
-              <a:rPr lang="en-US" sz="2000" dirty="0" smtClean="0">
-                <a:latin typeface="Menlo Regular"/>
-                <a:cs typeface="Menlo Regular"/>
-              </a:rPr>
-              <a:t>” ~/bin/s</a:t>
-            </a:r>
-          </a:p>
-          <a:p>
-            <a:pPr marL="38100" lvl="0" indent="0" rtl="0">
-              <a:lnSpc>
-                <a:spcPct val="130000"/>
-              </a:lnSpc>
-              <a:spcBef>
-                <a:spcPts val="0"/>
-              </a:spcBef>
-              <a:buClr>
-                <a:schemeClr val="dk1"/>
-              </a:buClr>
-              <a:buSzPct val="100000"/>
-              <a:buNone/>
-            </a:pPr>
-            <a:endParaRPr lang="en-US" sz="2000" dirty="0" smtClean="0">
-              <a:latin typeface="Menlo Regular"/>
-              <a:cs typeface="Menlo Regular"/>
-            </a:endParaRPr>
-          </a:p>
-          <a:p>
-            <a:pPr marL="38100" lvl="0" indent="0" rtl="0">
-              <a:lnSpc>
-                <a:spcPct val="130000"/>
-              </a:lnSpc>
-              <a:spcBef>
-                <a:spcPts val="0"/>
-              </a:spcBef>
-              <a:buClr>
-                <a:schemeClr val="dk1"/>
-              </a:buClr>
-              <a:buSzPct val="100000"/>
-              <a:buNone/>
-            </a:pPr>
-            <a:r>
-              <a:rPr lang="en-US" sz="2000" dirty="0" smtClean="0">
-                <a:latin typeface="Menlo Regular"/>
-                <a:cs typeface="Menlo Regular"/>
-              </a:rPr>
-              <a:t>$ echo “PATH=~/bin:$PATH” &gt;&gt; ~/.</a:t>
-            </a:r>
-            <a:r>
-              <a:rPr lang="en-US" sz="2000" dirty="0" err="1" smtClean="0">
-                <a:latin typeface="Menlo Regular"/>
-                <a:cs typeface="Menlo Regular"/>
-              </a:rPr>
-              <a:t>bash_profile</a:t>
-            </a:r>
-            <a:endParaRPr lang="en-US" sz="2000" dirty="0" smtClean="0">
-              <a:latin typeface="Menlo Regular"/>
-              <a:cs typeface="Menlo Regular"/>
-            </a:endParaRPr>
-          </a:p>
-          <a:p>
-            <a:pPr marL="38100" lvl="0" indent="0" rtl="0">
-              <a:lnSpc>
-                <a:spcPct val="130000"/>
-              </a:lnSpc>
-              <a:spcBef>
-                <a:spcPts val="0"/>
-              </a:spcBef>
-              <a:buClr>
-                <a:schemeClr val="dk1"/>
-              </a:buClr>
-              <a:buSzPct val="100000"/>
-              <a:buNone/>
-            </a:pPr>
-            <a:r>
-              <a:rPr lang="en-US" sz="2000" dirty="0" smtClean="0">
-                <a:latin typeface="Menlo Regular"/>
-                <a:cs typeface="Menlo Regular"/>
-              </a:rPr>
-              <a:t>$ source ~/.</a:t>
-            </a:r>
-            <a:r>
-              <a:rPr lang="en-US" sz="2000" dirty="0" err="1" smtClean="0">
-                <a:latin typeface="Menlo Regular"/>
-                <a:cs typeface="Menlo Regular"/>
-              </a:rPr>
-              <a:t>bash_profile</a:t>
-            </a:r>
-            <a:endParaRPr lang="en-US" sz="2000" dirty="0" smtClean="0">
-              <a:latin typeface="Menlo Regular"/>
-              <a:cs typeface="Menlo Regular"/>
-            </a:endParaRPr>
-          </a:p>
-          <a:p>
-            <a:pPr marL="38100" lvl="0" indent="0" rtl="0">
-              <a:lnSpc>
-                <a:spcPct val="130000"/>
-              </a:lnSpc>
-              <a:spcBef>
-                <a:spcPts val="0"/>
-              </a:spcBef>
-              <a:buClr>
-                <a:schemeClr val="dk1"/>
-              </a:buClr>
-              <a:buSzPct val="100000"/>
-              <a:buNone/>
-            </a:pPr>
-            <a:endParaRPr lang="en-US" dirty="0" smtClean="0"/>
-          </a:p>
-        </p:txBody>
-      </p:sp>
-    </p:spTree>
-    <p:extLst>
-      <p:ext uri="{BB962C8B-B14F-4D97-AF65-F5344CB8AC3E}">
-        <p14:creationId xmlns:p14="http://schemas.microsoft.com/office/powerpoint/2010/main" val="3129112446"/>
-      </p:ext>
-    </p:extLst>
-  </p:cSld>
-  <p:clrMapOvr>
-    <a:masterClrMapping/>
-  </p:clrMapOvr>
-  <p:transition xmlns:p14="http://schemas.microsoft.com/office/powerpoint/2010/main" spd="slow">
-    <p:cut/>
-  </p:transition>
-  <p:timing>
-    <p:tnLst>
-      <p:par>
-        <p:cTn xmlns:p14="http://schemas.microsoft.com/office/powerpoint/2010/main" id="1" dur="indefinite" restart="never" nodeType="tmRoot"/>
-      </p:par>
-    </p:tnLst>
-  </p:timing>
-</p:sld>
-</file>
-
-<file path=ppt/slides/slide8.xml><?xml version="1.0" encoding="utf-8"?>
 <p:sld xmlns:a="http://schemas.openxmlformats.org/drawingml/2006/main" xmlns:r="http://schemas.openxmlformats.org/officeDocument/2006/relationships" xmlns:p="http://schemas.openxmlformats.org/presentationml/2006/main">
   <p:cSld>
     <p:spTree>
